--- a/2019/11月.pptx
+++ b/2019/11月.pptx
@@ -11,6 +11,8 @@
     <p:sldId id="259" r:id="rId5"/>
     <p:sldId id="260" r:id="rId6"/>
     <p:sldId id="261" r:id="rId7"/>
+    <p:sldId id="262" r:id="rId8"/>
+    <p:sldId id="263" r:id="rId9"/>
   </p:sldIdLst>
   <p:sldSz cx="9144000" cy="5143500" type="screen16x9"/>
   <p:notesSz cx="6858000" cy="9144000"/>
@@ -294,7 +296,7 @@
             <a:fld id="{60E4E40C-4DE3-43D1-94F4-B6FCDADA3F6F}" type="datetimeFigureOut">
               <a:rPr lang="en-US" smtClean="0"/>
               <a:pPr/>
-              <a:t>10/5/2019</a:t>
+              <a:t>11/3/2019</a:t>
             </a:fld>
             <a:endParaRPr lang="en-US"/>
           </a:p>
@@ -461,7 +463,7 @@
             <a:fld id="{60E4E40C-4DE3-43D1-94F4-B6FCDADA3F6F}" type="datetimeFigureOut">
               <a:rPr lang="en-US" smtClean="0"/>
               <a:pPr/>
-              <a:t>10/5/2019</a:t>
+              <a:t>11/3/2019</a:t>
             </a:fld>
             <a:endParaRPr lang="en-US"/>
           </a:p>
@@ -638,7 +640,7 @@
             <a:fld id="{60E4E40C-4DE3-43D1-94F4-B6FCDADA3F6F}" type="datetimeFigureOut">
               <a:rPr lang="en-US" smtClean="0"/>
               <a:pPr/>
-              <a:t>10/5/2019</a:t>
+              <a:t>11/3/2019</a:t>
             </a:fld>
             <a:endParaRPr lang="en-US"/>
           </a:p>
@@ -805,7 +807,7 @@
             <a:fld id="{60E4E40C-4DE3-43D1-94F4-B6FCDADA3F6F}" type="datetimeFigureOut">
               <a:rPr lang="en-US" smtClean="0"/>
               <a:pPr/>
-              <a:t>10/5/2019</a:t>
+              <a:t>11/3/2019</a:t>
             </a:fld>
             <a:endParaRPr lang="en-US"/>
           </a:p>
@@ -1048,7 +1050,7 @@
             <a:fld id="{60E4E40C-4DE3-43D1-94F4-B6FCDADA3F6F}" type="datetimeFigureOut">
               <a:rPr lang="en-US" smtClean="0"/>
               <a:pPr/>
-              <a:t>10/5/2019</a:t>
+              <a:t>11/3/2019</a:t>
             </a:fld>
             <a:endParaRPr lang="en-US"/>
           </a:p>
@@ -1333,7 +1335,7 @@
             <a:fld id="{60E4E40C-4DE3-43D1-94F4-B6FCDADA3F6F}" type="datetimeFigureOut">
               <a:rPr lang="en-US" smtClean="0"/>
               <a:pPr/>
-              <a:t>10/5/2019</a:t>
+              <a:t>11/3/2019</a:t>
             </a:fld>
             <a:endParaRPr lang="en-US"/>
           </a:p>
@@ -1752,7 +1754,7 @@
             <a:fld id="{60E4E40C-4DE3-43D1-94F4-B6FCDADA3F6F}" type="datetimeFigureOut">
               <a:rPr lang="en-US" smtClean="0"/>
               <a:pPr/>
-              <a:t>10/5/2019</a:t>
+              <a:t>11/3/2019</a:t>
             </a:fld>
             <a:endParaRPr lang="en-US"/>
           </a:p>
@@ -1867,7 +1869,7 @@
             <a:fld id="{60E4E40C-4DE3-43D1-94F4-B6FCDADA3F6F}" type="datetimeFigureOut">
               <a:rPr lang="en-US" smtClean="0"/>
               <a:pPr/>
-              <a:t>10/5/2019</a:t>
+              <a:t>11/3/2019</a:t>
             </a:fld>
             <a:endParaRPr lang="en-US"/>
           </a:p>
@@ -1959,7 +1961,7 @@
             <a:fld id="{60E4E40C-4DE3-43D1-94F4-B6FCDADA3F6F}" type="datetimeFigureOut">
               <a:rPr lang="en-US" smtClean="0"/>
               <a:pPr/>
-              <a:t>10/5/2019</a:t>
+              <a:t>11/3/2019</a:t>
             </a:fld>
             <a:endParaRPr lang="en-US"/>
           </a:p>
@@ -2233,7 +2235,7 @@
             <a:fld id="{60E4E40C-4DE3-43D1-94F4-B6FCDADA3F6F}" type="datetimeFigureOut">
               <a:rPr lang="en-US" smtClean="0"/>
               <a:pPr/>
-              <a:t>10/5/2019</a:t>
+              <a:t>11/3/2019</a:t>
             </a:fld>
             <a:endParaRPr lang="en-US"/>
           </a:p>
@@ -2487,7 +2489,7 @@
             <a:fld id="{60E4E40C-4DE3-43D1-94F4-B6FCDADA3F6F}" type="datetimeFigureOut">
               <a:rPr lang="en-US" smtClean="0"/>
               <a:pPr/>
-              <a:t>10/5/2019</a:t>
+              <a:t>11/3/2019</a:t>
             </a:fld>
             <a:endParaRPr lang="en-US"/>
           </a:p>
@@ -2702,7 +2704,7 @@
             <a:fld id="{60E4E40C-4DE3-43D1-94F4-B6FCDADA3F6F}" type="datetimeFigureOut">
               <a:rPr lang="en-US" smtClean="0"/>
               <a:pPr/>
-              <a:t>10/5/2019</a:t>
+              <a:t>11/3/2019</a:t>
             </a:fld>
             <a:endParaRPr lang="en-US"/>
           </a:p>
@@ -3243,7 +3245,7 @@
     </p:spTree>
     <p:extLst>
       <p:ext uri="{BB962C8B-B14F-4D97-AF65-F5344CB8AC3E}">
-        <p14:creationId xmlns:p14="http://schemas.microsoft.com/office/powerpoint/2010/main" val="41587931"/>
+        <p14:creationId xmlns:p14="http://schemas.microsoft.com/office/powerpoint/2010/main" xmlns="" val="41587931"/>
       </p:ext>
     </p:extLst>
   </p:cSld>
@@ -3386,7 +3388,7 @@
     </p:spTree>
     <p:extLst>
       <p:ext uri="{BB962C8B-B14F-4D97-AF65-F5344CB8AC3E}">
-        <p14:creationId xmlns:p14="http://schemas.microsoft.com/office/powerpoint/2010/main" val="3038264741"/>
+        <p14:creationId xmlns:p14="http://schemas.microsoft.com/office/powerpoint/2010/main" xmlns="" val="3038264741"/>
       </p:ext>
     </p:extLst>
   </p:cSld>
@@ -3629,13 +3631,20 @@
     </p:spTree>
     <p:extLst>
       <p:ext uri="{BB962C8B-B14F-4D97-AF65-F5344CB8AC3E}">
-        <p14:creationId xmlns:p14="http://schemas.microsoft.com/office/powerpoint/2010/main" val="1640464296"/>
+        <p14:creationId xmlns:p14="http://schemas.microsoft.com/office/powerpoint/2010/main" xmlns="" val="1640464296"/>
       </p:ext>
     </p:extLst>
   </p:cSld>
   <p:clrMapOvr>
     <a:masterClrMapping/>
   </p:clrMapOvr>
+  <p:timing>
+    <p:tnLst>
+      <p:par>
+        <p:cTn id="1" dur="indefinite" restart="never" nodeType="tmRoot"/>
+      </p:par>
+    </p:tnLst>
+  </p:timing>
 </p:sld>
 </file>
 
@@ -3812,13 +3821,20 @@
     </p:spTree>
     <p:extLst>
       <p:ext uri="{BB962C8B-B14F-4D97-AF65-F5344CB8AC3E}">
-        <p14:creationId xmlns:p14="http://schemas.microsoft.com/office/powerpoint/2010/main" val="1536216172"/>
+        <p14:creationId xmlns:p14="http://schemas.microsoft.com/office/powerpoint/2010/main" xmlns="" val="1536216172"/>
       </p:ext>
     </p:extLst>
   </p:cSld>
   <p:clrMapOvr>
     <a:masterClrMapping/>
   </p:clrMapOvr>
+  <p:timing>
+    <p:tnLst>
+      <p:par>
+        <p:cTn id="1" dur="indefinite" restart="never" nodeType="tmRoot"/>
+      </p:par>
+    </p:tnLst>
+  </p:timing>
 </p:sld>
 </file>
 
@@ -3995,13 +4011,20 @@
     </p:spTree>
     <p:extLst>
       <p:ext uri="{BB962C8B-B14F-4D97-AF65-F5344CB8AC3E}">
-        <p14:creationId xmlns:p14="http://schemas.microsoft.com/office/powerpoint/2010/main" val="3761236931"/>
+        <p14:creationId xmlns:p14="http://schemas.microsoft.com/office/powerpoint/2010/main" xmlns="" val="3761236931"/>
       </p:ext>
     </p:extLst>
   </p:cSld>
   <p:clrMapOvr>
     <a:masterClrMapping/>
   </p:clrMapOvr>
+  <p:timing>
+    <p:tnLst>
+      <p:par>
+        <p:cTn id="1" dur="indefinite" restart="never" nodeType="tmRoot"/>
+      </p:par>
+    </p:tnLst>
+  </p:timing>
 </p:sld>
 </file>
 
@@ -4178,13 +4201,361 @@
     </p:spTree>
     <p:extLst>
       <p:ext uri="{BB962C8B-B14F-4D97-AF65-F5344CB8AC3E}">
-        <p14:creationId xmlns:p14="http://schemas.microsoft.com/office/powerpoint/2010/main" val="3853678619"/>
+        <p14:creationId xmlns:p14="http://schemas.microsoft.com/office/powerpoint/2010/main" xmlns="" val="3853678619"/>
       </p:ext>
     </p:extLst>
   </p:cSld>
   <p:clrMapOvr>
     <a:masterClrMapping/>
   </p:clrMapOvr>
+  <p:timing>
+    <p:tnLst>
+      <p:par>
+        <p:cTn id="1" dur="indefinite" restart="never" nodeType="tmRoot"/>
+      </p:par>
+    </p:tnLst>
+  </p:timing>
+</p:sld>
+</file>
+
+<file path=ppt/slides/slide7.xml><?xml version="1.0" encoding="utf-8"?>
+<p:sld xmlns:a="http://schemas.openxmlformats.org/drawingml/2006/main" xmlns:r="http://schemas.openxmlformats.org/officeDocument/2006/relationships" xmlns:p="http://schemas.openxmlformats.org/presentationml/2006/main">
+  <p:cSld>
+    <p:spTree>
+      <p:nvGrpSpPr>
+        <p:cNvPr id="1" name=""/>
+        <p:cNvGrpSpPr/>
+        <p:nvPr/>
+      </p:nvGrpSpPr>
+      <p:grpSpPr>
+        <a:xfrm>
+          <a:off x="0" y="0"/>
+          <a:ext cx="0" cy="0"/>
+          <a:chOff x="0" y="0"/>
+          <a:chExt cx="0" cy="0"/>
+        </a:xfrm>
+      </p:grpSpPr>
+      <p:sp>
+        <p:nvSpPr>
+          <p:cNvPr id="2" name="標題 1"/>
+          <p:cNvSpPr>
+            <a:spLocks noGrp="1"/>
+          </p:cNvSpPr>
+          <p:nvPr>
+            <p:ph type="title"/>
+          </p:nvPr>
+        </p:nvSpPr>
+        <p:spPr/>
+        <p:txBody>
+          <a:bodyPr>
+            <a:normAutofit/>
+          </a:bodyPr>
+          <a:lstStyle/>
+          <a:p>
+            <a:r>
+              <a:rPr lang="zh-TW" altLang="en-US" sz="4000" b="1" dirty="0">
+                <a:solidFill>
+                  <a:srgbClr val="002060"/>
+                </a:solidFill>
+                <a:latin typeface="Microsoft JhengHei" pitchFamily="34" charset="-120"/>
+                <a:ea typeface="Microsoft JhengHei" pitchFamily="34" charset="-120"/>
+              </a:rPr>
+              <a:t>齊來</a:t>
+            </a:r>
+            <a:r>
+              <a:rPr lang="zh-TW" altLang="en-US" sz="4000" b="1" dirty="0" smtClean="0">
+                <a:solidFill>
+                  <a:srgbClr val="002060"/>
+                </a:solidFill>
+                <a:latin typeface="Microsoft JhengHei" pitchFamily="34" charset="-120"/>
+                <a:ea typeface="Microsoft JhengHei" pitchFamily="34" charset="-120"/>
+              </a:rPr>
+              <a:t>頌讚</a:t>
+            </a:r>
+            <a:endParaRPr lang="zh-TW" altLang="en-US" sz="4000" b="1" dirty="0">
+              <a:solidFill>
+                <a:srgbClr val="002060"/>
+              </a:solidFill>
+              <a:latin typeface="Microsoft JhengHei" pitchFamily="34" charset="-120"/>
+              <a:ea typeface="Microsoft JhengHei" pitchFamily="34" charset="-120"/>
+            </a:endParaRPr>
+          </a:p>
+        </p:txBody>
+      </p:sp>
+      <p:sp>
+        <p:nvSpPr>
+          <p:cNvPr id="3" name="內容版面配置區 2"/>
+          <p:cNvSpPr>
+            <a:spLocks noGrp="1"/>
+          </p:cNvSpPr>
+          <p:nvPr>
+            <p:ph idx="1"/>
+          </p:nvPr>
+        </p:nvSpPr>
+        <p:spPr/>
+        <p:txBody>
+          <a:bodyPr>
+            <a:noAutofit/>
+          </a:bodyPr>
+          <a:lstStyle/>
+          <a:p>
+            <a:pPr lvl="0" algn="ctr">
+              <a:buNone/>
+            </a:pPr>
+            <a:r>
+              <a:rPr lang="zh-TW" altLang="en-US" sz="4800" b="1" dirty="0">
+                <a:solidFill>
+                  <a:srgbClr val="002060"/>
+                </a:solidFill>
+                <a:latin typeface="Microsoft JhengHei" pitchFamily="34" charset="-120"/>
+                <a:ea typeface="Microsoft JhengHei" pitchFamily="34" charset="-120"/>
+              </a:rPr>
+              <a:t>悠悠大海述說主恩廣大</a:t>
+            </a:r>
+          </a:p>
+          <a:p>
+            <a:pPr algn="ctr">
+              <a:buNone/>
+            </a:pPr>
+            <a:r>
+              <a:rPr lang="zh-TW" altLang="en-US" sz="4800" b="1" dirty="0">
+                <a:solidFill>
+                  <a:srgbClr val="002060"/>
+                </a:solidFill>
+                <a:latin typeface="Microsoft JhengHei" pitchFamily="34" charset="-120"/>
+                <a:ea typeface="Microsoft JhengHei" pitchFamily="34" charset="-120"/>
+              </a:rPr>
+              <a:t>神慈愛像</a:t>
+            </a:r>
+            <a:r>
+              <a:rPr lang="zh-TW" altLang="en-US" sz="4800" b="1" dirty="0" smtClean="0">
+                <a:solidFill>
+                  <a:srgbClr val="002060"/>
+                </a:solidFill>
+                <a:latin typeface="Microsoft JhengHei" pitchFamily="34" charset="-120"/>
+                <a:ea typeface="Microsoft JhengHei" pitchFamily="34" charset="-120"/>
+              </a:rPr>
+              <a:t>雲彩</a:t>
+            </a:r>
+            <a:endParaRPr lang="zh-TW" altLang="en-US" sz="4800" b="1" dirty="0">
+              <a:solidFill>
+                <a:srgbClr val="002060"/>
+              </a:solidFill>
+              <a:latin typeface="Microsoft JhengHei" pitchFamily="34" charset="-120"/>
+              <a:ea typeface="Microsoft JhengHei" pitchFamily="34" charset="-120"/>
+            </a:endParaRPr>
+          </a:p>
+          <a:p>
+            <a:pPr algn="ctr">
+              <a:buNone/>
+            </a:pPr>
+            <a:r>
+              <a:rPr lang="zh-TW" altLang="en-US" sz="4800" b="1" dirty="0">
+                <a:solidFill>
+                  <a:srgbClr val="002060"/>
+                </a:solidFill>
+                <a:latin typeface="Microsoft JhengHei" pitchFamily="34" charset="-120"/>
+                <a:ea typeface="Microsoft JhengHei" pitchFamily="34" charset="-120"/>
+              </a:rPr>
+              <a:t>重重大山述說主恩廣大</a:t>
+            </a:r>
+          </a:p>
+          <a:p>
+            <a:pPr algn="ctr">
+              <a:buNone/>
+            </a:pPr>
+            <a:r>
+              <a:rPr lang="zh-TW" altLang="en-US" sz="4800" b="1" dirty="0">
+                <a:solidFill>
+                  <a:srgbClr val="002060"/>
+                </a:solidFill>
+                <a:latin typeface="Microsoft JhengHei" pitchFamily="34" charset="-120"/>
+                <a:ea typeface="Microsoft JhengHei" pitchFamily="34" charset="-120"/>
+              </a:rPr>
+              <a:t>誰能似主愛</a:t>
+            </a:r>
+            <a:r>
+              <a:rPr lang="zh-TW" altLang="en-US" sz="4800" b="1" dirty="0" smtClean="0">
+                <a:solidFill>
+                  <a:srgbClr val="002060"/>
+                </a:solidFill>
+                <a:latin typeface="Microsoft JhengHei" pitchFamily="34" charset="-120"/>
+                <a:ea typeface="Microsoft JhengHei" pitchFamily="34" charset="-120"/>
+              </a:rPr>
+              <a:t>我</a:t>
+            </a:r>
+            <a:endParaRPr lang="zh-TW" altLang="en-US" sz="4800" b="1" dirty="0">
+              <a:solidFill>
+                <a:srgbClr val="002060"/>
+              </a:solidFill>
+              <a:latin typeface="Microsoft JhengHei" pitchFamily="34" charset="-120"/>
+              <a:ea typeface="Microsoft JhengHei" pitchFamily="34" charset="-120"/>
+            </a:endParaRPr>
+          </a:p>
+        </p:txBody>
+      </p:sp>
+    </p:spTree>
+    <p:extLst>
+      <p:ext uri="{BB962C8B-B14F-4D97-AF65-F5344CB8AC3E}">
+        <p14:creationId xmlns:p14="http://schemas.microsoft.com/office/powerpoint/2010/main" xmlns="" val="3951946685"/>
+      </p:ext>
+    </p:extLst>
+  </p:cSld>
+  <p:clrMapOvr>
+    <a:masterClrMapping/>
+  </p:clrMapOvr>
+  <p:timing>
+    <p:tnLst>
+      <p:par>
+        <p:cTn id="1" dur="indefinite" restart="never" nodeType="tmRoot"/>
+      </p:par>
+    </p:tnLst>
+  </p:timing>
+</p:sld>
+</file>
+
+<file path=ppt/slides/slide8.xml><?xml version="1.0" encoding="utf-8"?>
+<p:sld xmlns:a="http://schemas.openxmlformats.org/drawingml/2006/main" xmlns:r="http://schemas.openxmlformats.org/officeDocument/2006/relationships" xmlns:p="http://schemas.openxmlformats.org/presentationml/2006/main">
+  <p:cSld>
+    <p:spTree>
+      <p:nvGrpSpPr>
+        <p:cNvPr id="1" name=""/>
+        <p:cNvGrpSpPr/>
+        <p:nvPr/>
+      </p:nvGrpSpPr>
+      <p:grpSpPr>
+        <a:xfrm>
+          <a:off x="0" y="0"/>
+          <a:ext cx="0" cy="0"/>
+          <a:chOff x="0" y="0"/>
+          <a:chExt cx="0" cy="0"/>
+        </a:xfrm>
+      </p:grpSpPr>
+      <p:sp>
+        <p:nvSpPr>
+          <p:cNvPr id="2" name="標題 1"/>
+          <p:cNvSpPr>
+            <a:spLocks noGrp="1"/>
+          </p:cNvSpPr>
+          <p:nvPr>
+            <p:ph type="title"/>
+          </p:nvPr>
+        </p:nvSpPr>
+        <p:spPr/>
+        <p:txBody>
+          <a:bodyPr>
+            <a:normAutofit/>
+          </a:bodyPr>
+          <a:lstStyle/>
+          <a:p>
+            <a:r>
+              <a:rPr lang="zh-TW" altLang="en-US" sz="4000" b="1" dirty="0">
+                <a:solidFill>
+                  <a:srgbClr val="002060"/>
+                </a:solidFill>
+                <a:latin typeface="Microsoft JhengHei" pitchFamily="34" charset="-120"/>
+                <a:ea typeface="Microsoft JhengHei" pitchFamily="34" charset="-120"/>
+              </a:rPr>
+              <a:t>齊來頌讚</a:t>
+            </a:r>
+          </a:p>
+        </p:txBody>
+      </p:sp>
+      <p:sp>
+        <p:nvSpPr>
+          <p:cNvPr id="3" name="內容版面配置區 2"/>
+          <p:cNvSpPr>
+            <a:spLocks noGrp="1"/>
+          </p:cNvSpPr>
+          <p:nvPr>
+            <p:ph idx="1"/>
+          </p:nvPr>
+        </p:nvSpPr>
+        <p:spPr/>
+        <p:txBody>
+          <a:bodyPr>
+            <a:noAutofit/>
+          </a:bodyPr>
+          <a:lstStyle/>
+          <a:p>
+            <a:pPr lvl="0" algn="ctr">
+              <a:buNone/>
+            </a:pPr>
+            <a:r>
+              <a:rPr lang="zh-TW" altLang="en-US" sz="4800" b="1" dirty="0">
+                <a:solidFill>
+                  <a:srgbClr val="002060"/>
+                </a:solidFill>
+                <a:latin typeface="Microsoft JhengHei" pitchFamily="34" charset="-120"/>
+                <a:ea typeface="Microsoft JhengHei" pitchFamily="34" charset="-120"/>
+              </a:rPr>
+              <a:t>齊來頌讚頌讚感謝天父</a:t>
+            </a:r>
+          </a:p>
+          <a:p>
+            <a:pPr algn="ctr">
+              <a:buNone/>
+            </a:pPr>
+            <a:r>
+              <a:rPr lang="zh-TW" altLang="en-US" sz="4800" b="1" dirty="0">
+                <a:solidFill>
+                  <a:srgbClr val="002060"/>
+                </a:solidFill>
+                <a:latin typeface="Microsoft JhengHei" pitchFamily="34" charset="-120"/>
+                <a:ea typeface="Microsoft JhengHei" pitchFamily="34" charset="-120"/>
+              </a:rPr>
+              <a:t>神慈愛像雲彩</a:t>
+            </a:r>
+          </a:p>
+          <a:p>
+            <a:pPr algn="ctr">
+              <a:buNone/>
+            </a:pPr>
+            <a:r>
+              <a:rPr lang="zh-TW" altLang="en-US" sz="4800" b="1" dirty="0">
+                <a:solidFill>
+                  <a:srgbClr val="002060"/>
+                </a:solidFill>
+                <a:latin typeface="Microsoft JhengHei" pitchFamily="34" charset="-120"/>
+                <a:ea typeface="Microsoft JhengHei" pitchFamily="34" charset="-120"/>
+              </a:rPr>
+              <a:t>重重大山述說主恩廣大</a:t>
+            </a:r>
+          </a:p>
+          <a:p>
+            <a:pPr algn="ctr">
+              <a:buNone/>
+            </a:pPr>
+            <a:r>
+              <a:rPr lang="zh-TW" altLang="en-US" sz="4800" b="1" dirty="0">
+                <a:solidFill>
+                  <a:srgbClr val="002060"/>
+                </a:solidFill>
+                <a:latin typeface="Microsoft JhengHei" pitchFamily="34" charset="-120"/>
+                <a:ea typeface="Microsoft JhengHei" pitchFamily="34" charset="-120"/>
+              </a:rPr>
+              <a:t>誰能似主愛我</a:t>
+            </a:r>
+          </a:p>
+        </p:txBody>
+      </p:sp>
+    </p:spTree>
+    <p:extLst>
+      <p:ext uri="{BB962C8B-B14F-4D97-AF65-F5344CB8AC3E}">
+        <p14:creationId xmlns:p14="http://schemas.microsoft.com/office/powerpoint/2010/main" xmlns="" val="711146041"/>
+      </p:ext>
+    </p:extLst>
+  </p:cSld>
+  <p:clrMapOvr>
+    <a:masterClrMapping/>
+  </p:clrMapOvr>
+  <p:timing>
+    <p:tnLst>
+      <p:par>
+        <p:cTn id="1" dur="indefinite" restart="never" nodeType="tmRoot"/>
+      </p:par>
+    </p:tnLst>
+  </p:timing>
 </p:sld>
 </file>
 

--- a/2019/11月.pptx
+++ b/2019/11月.pptx
@@ -296,7 +296,7 @@
             <a:fld id="{60E4E40C-4DE3-43D1-94F4-B6FCDADA3F6F}" type="datetimeFigureOut">
               <a:rPr lang="en-US" smtClean="0"/>
               <a:pPr/>
-              <a:t>11/3/2019</a:t>
+              <a:t>11/10/2019</a:t>
             </a:fld>
             <a:endParaRPr lang="en-US"/>
           </a:p>
@@ -463,7 +463,7 @@
             <a:fld id="{60E4E40C-4DE3-43D1-94F4-B6FCDADA3F6F}" type="datetimeFigureOut">
               <a:rPr lang="en-US" smtClean="0"/>
               <a:pPr/>
-              <a:t>11/3/2019</a:t>
+              <a:t>11/10/2019</a:t>
             </a:fld>
             <a:endParaRPr lang="en-US"/>
           </a:p>
@@ -640,7 +640,7 @@
             <a:fld id="{60E4E40C-4DE3-43D1-94F4-B6FCDADA3F6F}" type="datetimeFigureOut">
               <a:rPr lang="en-US" smtClean="0"/>
               <a:pPr/>
-              <a:t>11/3/2019</a:t>
+              <a:t>11/10/2019</a:t>
             </a:fld>
             <a:endParaRPr lang="en-US"/>
           </a:p>
@@ -807,7 +807,7 @@
             <a:fld id="{60E4E40C-4DE3-43D1-94F4-B6FCDADA3F6F}" type="datetimeFigureOut">
               <a:rPr lang="en-US" smtClean="0"/>
               <a:pPr/>
-              <a:t>11/3/2019</a:t>
+              <a:t>11/10/2019</a:t>
             </a:fld>
             <a:endParaRPr lang="en-US"/>
           </a:p>
@@ -1050,7 +1050,7 @@
             <a:fld id="{60E4E40C-4DE3-43D1-94F4-B6FCDADA3F6F}" type="datetimeFigureOut">
               <a:rPr lang="en-US" smtClean="0"/>
               <a:pPr/>
-              <a:t>11/3/2019</a:t>
+              <a:t>11/10/2019</a:t>
             </a:fld>
             <a:endParaRPr lang="en-US"/>
           </a:p>
@@ -1335,7 +1335,7 @@
             <a:fld id="{60E4E40C-4DE3-43D1-94F4-B6FCDADA3F6F}" type="datetimeFigureOut">
               <a:rPr lang="en-US" smtClean="0"/>
               <a:pPr/>
-              <a:t>11/3/2019</a:t>
+              <a:t>11/10/2019</a:t>
             </a:fld>
             <a:endParaRPr lang="en-US"/>
           </a:p>
@@ -1754,7 +1754,7 @@
             <a:fld id="{60E4E40C-4DE3-43D1-94F4-B6FCDADA3F6F}" type="datetimeFigureOut">
               <a:rPr lang="en-US" smtClean="0"/>
               <a:pPr/>
-              <a:t>11/3/2019</a:t>
+              <a:t>11/10/2019</a:t>
             </a:fld>
             <a:endParaRPr lang="en-US"/>
           </a:p>
@@ -1869,7 +1869,7 @@
             <a:fld id="{60E4E40C-4DE3-43D1-94F4-B6FCDADA3F6F}" type="datetimeFigureOut">
               <a:rPr lang="en-US" smtClean="0"/>
               <a:pPr/>
-              <a:t>11/3/2019</a:t>
+              <a:t>11/10/2019</a:t>
             </a:fld>
             <a:endParaRPr lang="en-US"/>
           </a:p>
@@ -1961,7 +1961,7 @@
             <a:fld id="{60E4E40C-4DE3-43D1-94F4-B6FCDADA3F6F}" type="datetimeFigureOut">
               <a:rPr lang="en-US" smtClean="0"/>
               <a:pPr/>
-              <a:t>11/3/2019</a:t>
+              <a:t>11/10/2019</a:t>
             </a:fld>
             <a:endParaRPr lang="en-US"/>
           </a:p>
@@ -2235,7 +2235,7 @@
             <a:fld id="{60E4E40C-4DE3-43D1-94F4-B6FCDADA3F6F}" type="datetimeFigureOut">
               <a:rPr lang="en-US" smtClean="0"/>
               <a:pPr/>
-              <a:t>11/3/2019</a:t>
+              <a:t>11/10/2019</a:t>
             </a:fld>
             <a:endParaRPr lang="en-US"/>
           </a:p>
@@ -2489,7 +2489,7 @@
             <a:fld id="{60E4E40C-4DE3-43D1-94F4-B6FCDADA3F6F}" type="datetimeFigureOut">
               <a:rPr lang="en-US" smtClean="0"/>
               <a:pPr/>
-              <a:t>11/3/2019</a:t>
+              <a:t>11/10/2019</a:t>
             </a:fld>
             <a:endParaRPr lang="en-US"/>
           </a:p>
@@ -2704,7 +2704,7 @@
             <a:fld id="{60E4E40C-4DE3-43D1-94F4-B6FCDADA3F6F}" type="datetimeFigureOut">
               <a:rPr lang="en-US" smtClean="0"/>
               <a:pPr/>
-              <a:t>11/3/2019</a:t>
+              <a:t>11/10/2019</a:t>
             </a:fld>
             <a:endParaRPr lang="en-US"/>
           </a:p>
@@ -3245,7 +3245,7 @@
     </p:spTree>
     <p:extLst>
       <p:ext uri="{BB962C8B-B14F-4D97-AF65-F5344CB8AC3E}">
-        <p14:creationId xmlns:p14="http://schemas.microsoft.com/office/powerpoint/2010/main" xmlns="" val="41587931"/>
+        <p14:creationId xmlns="" xmlns:p14="http://schemas.microsoft.com/office/powerpoint/2010/main" val="41587931"/>
       </p:ext>
     </p:extLst>
   </p:cSld>
@@ -3388,7 +3388,7 @@
     </p:spTree>
     <p:extLst>
       <p:ext uri="{BB962C8B-B14F-4D97-AF65-F5344CB8AC3E}">
-        <p14:creationId xmlns:p14="http://schemas.microsoft.com/office/powerpoint/2010/main" xmlns="" val="3038264741"/>
+        <p14:creationId xmlns="" xmlns:p14="http://schemas.microsoft.com/office/powerpoint/2010/main" val="3038264741"/>
       </p:ext>
     </p:extLst>
   </p:cSld>
@@ -3435,7 +3435,7 @@
             <a:r>
               <a:rPr lang="zh-CN" altLang="en-US" sz="4000" b="1" dirty="0">
                 <a:solidFill>
-                  <a:srgbClr val="FF0000"/>
+                  <a:srgbClr val="C00000"/>
                 </a:solidFill>
                 <a:latin typeface="Microsoft JhengHei" pitchFamily="34" charset="-120"/>
                 <a:ea typeface="Microsoft JhengHei" pitchFamily="34" charset="-120"/>
@@ -3445,7 +3445,7 @@
             <a:r>
               <a:rPr lang="zh-CN" altLang="en-US" sz="4000" b="1" dirty="0" smtClean="0">
                 <a:solidFill>
-                  <a:srgbClr val="FF0000"/>
+                  <a:srgbClr val="C00000"/>
                 </a:solidFill>
                 <a:latin typeface="Microsoft JhengHei" pitchFamily="34" charset="-120"/>
                 <a:ea typeface="Microsoft JhengHei" pitchFamily="34" charset="-120"/>
@@ -3454,7 +3454,7 @@
             </a:r>
             <a:endParaRPr lang="en-US" sz="4000" b="1" dirty="0">
               <a:solidFill>
-                <a:srgbClr val="FF0000"/>
+                <a:srgbClr val="C00000"/>
               </a:solidFill>
               <a:latin typeface="Microsoft JhengHei" pitchFamily="34" charset="-120"/>
               <a:ea typeface="Microsoft JhengHei" pitchFamily="34" charset="-120"/>
@@ -3485,7 +3485,7 @@
             <a:r>
               <a:rPr lang="zh-TW" altLang="en-US" sz="4800" b="1" dirty="0">
                 <a:solidFill>
-                  <a:srgbClr val="FF0000"/>
+                  <a:srgbClr val="C00000"/>
                 </a:solidFill>
                 <a:latin typeface="Microsoft JhengHei" pitchFamily="34" charset="-120"/>
                 <a:ea typeface="Microsoft JhengHei" pitchFamily="34" charset="-120"/>
@@ -3495,7 +3495,7 @@
             <a:r>
               <a:rPr lang="zh-TW" altLang="en-US" sz="4800" b="1" dirty="0" smtClean="0">
                 <a:solidFill>
-                  <a:srgbClr val="FF0000"/>
+                  <a:srgbClr val="C00000"/>
                 </a:solidFill>
                 <a:latin typeface="Microsoft JhengHei" pitchFamily="34" charset="-120"/>
                 <a:ea typeface="Microsoft JhengHei" pitchFamily="34" charset="-120"/>
@@ -3504,7 +3504,7 @@
             </a:r>
             <a:endParaRPr lang="en-US" altLang="zh-TW" sz="4800" b="1" dirty="0" smtClean="0">
               <a:solidFill>
-                <a:srgbClr val="FF0000"/>
+                <a:srgbClr val="C00000"/>
               </a:solidFill>
               <a:latin typeface="Microsoft JhengHei" pitchFamily="34" charset="-120"/>
               <a:ea typeface="Microsoft JhengHei" pitchFamily="34" charset="-120"/>
@@ -3517,7 +3517,7 @@
             <a:r>
               <a:rPr lang="zh-TW" altLang="en-US" sz="4800" b="1" dirty="0" smtClean="0">
                 <a:solidFill>
-                  <a:srgbClr val="FF0000"/>
+                  <a:srgbClr val="C00000"/>
                 </a:solidFill>
                 <a:latin typeface="Microsoft JhengHei" pitchFamily="34" charset="-120"/>
                 <a:ea typeface="Microsoft JhengHei" pitchFamily="34" charset="-120"/>
@@ -3527,7 +3527,7 @@
             <a:r>
               <a:rPr lang="zh-TW" altLang="en-US" sz="4800" b="1" dirty="0">
                 <a:solidFill>
-                  <a:srgbClr val="FF0000"/>
+                  <a:srgbClr val="C00000"/>
                 </a:solidFill>
                 <a:latin typeface="Microsoft JhengHei" pitchFamily="34" charset="-120"/>
                 <a:ea typeface="Microsoft JhengHei" pitchFamily="34" charset="-120"/>
@@ -3537,7 +3537,7 @@
             <a:r>
               <a:rPr lang="zh-TW" altLang="en-US" sz="4800" b="1" dirty="0" smtClean="0">
                 <a:solidFill>
-                  <a:srgbClr val="FF0000"/>
+                  <a:srgbClr val="C00000"/>
                 </a:solidFill>
                 <a:latin typeface="Microsoft JhengHei" pitchFamily="34" charset="-120"/>
                 <a:ea typeface="Microsoft JhengHei" pitchFamily="34" charset="-120"/>
@@ -3546,7 +3546,7 @@
             </a:r>
             <a:endParaRPr lang="en-US" altLang="zh-TW" sz="4800" b="1" dirty="0" smtClean="0">
               <a:solidFill>
-                <a:srgbClr val="FF0000"/>
+                <a:srgbClr val="C00000"/>
               </a:solidFill>
               <a:latin typeface="Microsoft JhengHei" pitchFamily="34" charset="-120"/>
               <a:ea typeface="Microsoft JhengHei" pitchFamily="34" charset="-120"/>
@@ -3559,7 +3559,7 @@
             <a:r>
               <a:rPr lang="zh-TW" altLang="en-US" sz="4800" b="1" dirty="0" smtClean="0">
                 <a:solidFill>
-                  <a:srgbClr val="FF0000"/>
+                  <a:srgbClr val="C00000"/>
                 </a:solidFill>
                 <a:latin typeface="Microsoft JhengHei" pitchFamily="34" charset="-120"/>
                 <a:ea typeface="Microsoft JhengHei" pitchFamily="34" charset="-120"/>
@@ -3569,7 +3569,7 @@
             <a:r>
               <a:rPr lang="zh-TW" altLang="en-US" sz="4800" b="1" dirty="0">
                 <a:solidFill>
-                  <a:srgbClr val="FF0000"/>
+                  <a:srgbClr val="C00000"/>
                 </a:solidFill>
                 <a:latin typeface="Microsoft JhengHei" pitchFamily="34" charset="-120"/>
                 <a:ea typeface="Microsoft JhengHei" pitchFamily="34" charset="-120"/>
@@ -3579,7 +3579,7 @@
             <a:r>
               <a:rPr lang="zh-TW" altLang="en-US" sz="4800" b="1" dirty="0" smtClean="0">
                 <a:solidFill>
-                  <a:srgbClr val="FF0000"/>
+                  <a:srgbClr val="C00000"/>
                 </a:solidFill>
                 <a:latin typeface="Microsoft JhengHei" pitchFamily="34" charset="-120"/>
                 <a:ea typeface="Microsoft JhengHei" pitchFamily="34" charset="-120"/>
@@ -3588,7 +3588,7 @@
             </a:r>
             <a:endParaRPr lang="en-US" altLang="zh-TW" sz="4800" b="1" dirty="0" smtClean="0">
               <a:solidFill>
-                <a:srgbClr val="FF0000"/>
+                <a:srgbClr val="C00000"/>
               </a:solidFill>
               <a:latin typeface="Microsoft JhengHei" pitchFamily="34" charset="-120"/>
               <a:ea typeface="Microsoft JhengHei" pitchFamily="34" charset="-120"/>
@@ -3601,7 +3601,7 @@
             <a:r>
               <a:rPr lang="zh-TW" altLang="en-US" sz="4800" b="1" dirty="0" smtClean="0">
                 <a:solidFill>
-                  <a:srgbClr val="FF0000"/>
+                  <a:srgbClr val="C00000"/>
                 </a:solidFill>
                 <a:latin typeface="Microsoft JhengHei" pitchFamily="34" charset="-120"/>
                 <a:ea typeface="Microsoft JhengHei" pitchFamily="34" charset="-120"/>
@@ -3611,7 +3611,7 @@
             <a:r>
               <a:rPr lang="zh-TW" altLang="en-US" sz="4800" b="1" dirty="0">
                 <a:solidFill>
-                  <a:srgbClr val="FF0000"/>
+                  <a:srgbClr val="C00000"/>
                 </a:solidFill>
                 <a:latin typeface="Microsoft JhengHei" pitchFamily="34" charset="-120"/>
                 <a:ea typeface="Microsoft JhengHei" pitchFamily="34" charset="-120"/>
@@ -3620,7 +3620,7 @@
             </a:r>
             <a:endParaRPr lang="en-US" sz="4800" b="1" dirty="0">
               <a:solidFill>
-                <a:srgbClr val="FF0000"/>
+                <a:srgbClr val="C00000"/>
               </a:solidFill>
               <a:latin typeface="Microsoft JhengHei" pitchFamily="34" charset="-120"/>
               <a:ea typeface="Microsoft JhengHei" pitchFamily="34" charset="-120"/>
@@ -3631,7 +3631,7 @@
     </p:spTree>
     <p:extLst>
       <p:ext uri="{BB962C8B-B14F-4D97-AF65-F5344CB8AC3E}">
-        <p14:creationId xmlns:p14="http://schemas.microsoft.com/office/powerpoint/2010/main" xmlns="" val="1640464296"/>
+        <p14:creationId xmlns="" xmlns:p14="http://schemas.microsoft.com/office/powerpoint/2010/main" val="1640464296"/>
       </p:ext>
     </p:extLst>
   </p:cSld>
@@ -3685,7 +3685,7 @@
             <a:r>
               <a:rPr lang="zh-CN" altLang="en-US" sz="4000" b="1" dirty="0">
                 <a:solidFill>
-                  <a:srgbClr val="FF0000"/>
+                  <a:srgbClr val="C00000"/>
                 </a:solidFill>
                 <a:latin typeface="Microsoft JhengHei" pitchFamily="34" charset="-120"/>
                 <a:ea typeface="Microsoft JhengHei" pitchFamily="34" charset="-120"/>
@@ -3695,16 +3695,16 @@
             <a:r>
               <a:rPr lang="zh-CN" altLang="en-US" sz="4000" b="1" dirty="0" smtClean="0">
                 <a:solidFill>
-                  <a:srgbClr val="FF0000"/>
+                  <a:srgbClr val="C00000"/>
                 </a:solidFill>
                 <a:latin typeface="Microsoft JhengHei" pitchFamily="34" charset="-120"/>
                 <a:ea typeface="Microsoft JhengHei" pitchFamily="34" charset="-120"/>
               </a:rPr>
               <a:t>恩</a:t>
             </a:r>
-            <a:endParaRPr lang="en-US" sz="4000" b="1" dirty="0">
+            <a:endParaRPr lang="en-US" altLang="en-US" sz="4000" b="1" dirty="0">
               <a:solidFill>
-                <a:srgbClr val="FF0000"/>
+                <a:srgbClr val="C00000"/>
               </a:solidFill>
               <a:latin typeface="Microsoft JhengHei" pitchFamily="34" charset="-120"/>
               <a:ea typeface="Microsoft JhengHei" pitchFamily="34" charset="-120"/>
@@ -3735,7 +3735,7 @@
             <a:r>
               <a:rPr lang="zh-TW" altLang="en-US" sz="4800" b="1" dirty="0">
                 <a:solidFill>
-                  <a:srgbClr val="FF0000"/>
+                  <a:srgbClr val="C00000"/>
                 </a:solidFill>
                 <a:latin typeface="Microsoft JhengHei" pitchFamily="34" charset="-120"/>
                 <a:ea typeface="Microsoft JhengHei" pitchFamily="34" charset="-120"/>
@@ -3744,7 +3744,7 @@
             </a:r>
             <a:endParaRPr lang="en-US" altLang="zh-TW" sz="4800" b="1" dirty="0">
               <a:solidFill>
-                <a:srgbClr val="FF0000"/>
+                <a:srgbClr val="C00000"/>
               </a:solidFill>
               <a:latin typeface="Microsoft JhengHei" pitchFamily="34" charset="-120"/>
               <a:ea typeface="Microsoft JhengHei" pitchFamily="34" charset="-120"/>
@@ -3757,7 +3757,7 @@
             <a:r>
               <a:rPr lang="zh-TW" altLang="en-US" sz="4800" b="1" dirty="0">
                 <a:solidFill>
-                  <a:srgbClr val="FF0000"/>
+                  <a:srgbClr val="C00000"/>
                 </a:solidFill>
                 <a:latin typeface="Microsoft JhengHei" pitchFamily="34" charset="-120"/>
                 <a:ea typeface="Microsoft JhengHei" pitchFamily="34" charset="-120"/>
@@ -3766,7 +3766,7 @@
             </a:r>
             <a:endParaRPr lang="en-US" altLang="zh-TW" sz="4800" b="1" dirty="0">
               <a:solidFill>
-                <a:srgbClr val="FF0000"/>
+                <a:srgbClr val="C00000"/>
               </a:solidFill>
               <a:latin typeface="Microsoft JhengHei" pitchFamily="34" charset="-120"/>
               <a:ea typeface="Microsoft JhengHei" pitchFamily="34" charset="-120"/>
@@ -3779,7 +3779,7 @@
             <a:r>
               <a:rPr lang="zh-TW" altLang="en-US" sz="4800" b="1" dirty="0">
                 <a:solidFill>
-                  <a:srgbClr val="FF0000"/>
+                  <a:srgbClr val="C00000"/>
                 </a:solidFill>
                 <a:latin typeface="Microsoft JhengHei" pitchFamily="34" charset="-120"/>
                 <a:ea typeface="Microsoft JhengHei" pitchFamily="34" charset="-120"/>
@@ -3788,7 +3788,7 @@
             </a:r>
             <a:endParaRPr lang="en-US" altLang="zh-TW" sz="4800" b="1" dirty="0">
               <a:solidFill>
-                <a:srgbClr val="FF0000"/>
+                <a:srgbClr val="C00000"/>
               </a:solidFill>
               <a:latin typeface="Microsoft JhengHei" pitchFamily="34" charset="-120"/>
               <a:ea typeface="Microsoft JhengHei" pitchFamily="34" charset="-120"/>
@@ -3801,16 +3801,16 @@
             <a:r>
               <a:rPr lang="zh-TW" altLang="en-US" sz="4800" b="1" dirty="0">
                 <a:solidFill>
-                  <a:srgbClr val="FF0000"/>
+                  <a:srgbClr val="C00000"/>
                 </a:solidFill>
                 <a:latin typeface="Microsoft JhengHei" pitchFamily="34" charset="-120"/>
                 <a:ea typeface="Microsoft JhengHei" pitchFamily="34" charset="-120"/>
               </a:rPr>
               <a:t>只要知足早晚可歌唱</a:t>
             </a:r>
-            <a:endParaRPr lang="en-US" sz="4800" b="1" dirty="0">
+            <a:endParaRPr lang="en-US" altLang="en-US" sz="4800" b="1" dirty="0">
               <a:solidFill>
-                <a:srgbClr val="FF0000"/>
+                <a:srgbClr val="C00000"/>
               </a:solidFill>
               <a:latin typeface="Microsoft JhengHei" pitchFamily="34" charset="-120"/>
               <a:ea typeface="Microsoft JhengHei" pitchFamily="34" charset="-120"/>
@@ -3821,7 +3821,7 @@
     </p:spTree>
     <p:extLst>
       <p:ext uri="{BB962C8B-B14F-4D97-AF65-F5344CB8AC3E}">
-        <p14:creationId xmlns:p14="http://schemas.microsoft.com/office/powerpoint/2010/main" xmlns="" val="1536216172"/>
+        <p14:creationId xmlns="" xmlns:p14="http://schemas.microsoft.com/office/powerpoint/2010/main" val="1536216172"/>
       </p:ext>
     </p:extLst>
   </p:cSld>
@@ -3875,7 +3875,7 @@
             <a:r>
               <a:rPr lang="zh-CN" altLang="en-US" sz="4000" b="1" dirty="0">
                 <a:solidFill>
-                  <a:srgbClr val="FF0000"/>
+                  <a:srgbClr val="C00000"/>
                 </a:solidFill>
                 <a:latin typeface="Microsoft JhengHei" pitchFamily="34" charset="-120"/>
                 <a:ea typeface="Microsoft JhengHei" pitchFamily="34" charset="-120"/>
@@ -3885,16 +3885,16 @@
             <a:r>
               <a:rPr lang="zh-CN" altLang="en-US" sz="4000" b="1" dirty="0" smtClean="0">
                 <a:solidFill>
-                  <a:srgbClr val="FF0000"/>
+                  <a:srgbClr val="C00000"/>
                 </a:solidFill>
                 <a:latin typeface="Microsoft JhengHei" pitchFamily="34" charset="-120"/>
                 <a:ea typeface="Microsoft JhengHei" pitchFamily="34" charset="-120"/>
               </a:rPr>
               <a:t>恩</a:t>
             </a:r>
-            <a:endParaRPr lang="en-US" sz="4000" b="1" dirty="0">
+            <a:endParaRPr lang="en-US" altLang="en-US" sz="4000" b="1" dirty="0">
               <a:solidFill>
-                <a:srgbClr val="FF0000"/>
+                <a:srgbClr val="C00000"/>
               </a:solidFill>
               <a:latin typeface="Microsoft JhengHei" pitchFamily="34" charset="-120"/>
               <a:ea typeface="Microsoft JhengHei" pitchFamily="34" charset="-120"/>
@@ -3925,7 +3925,7 @@
             <a:r>
               <a:rPr lang="zh-TW" altLang="en-US" sz="4800" b="1" dirty="0">
                 <a:solidFill>
-                  <a:srgbClr val="FF0000"/>
+                  <a:srgbClr val="C00000"/>
                 </a:solidFill>
                 <a:latin typeface="Microsoft JhengHei" pitchFamily="34" charset="-120"/>
                 <a:ea typeface="Microsoft JhengHei" pitchFamily="34" charset="-120"/>
@@ -3934,7 +3934,7 @@
             </a:r>
             <a:endParaRPr lang="en-US" altLang="zh-TW" sz="4800" b="1" dirty="0">
               <a:solidFill>
-                <a:srgbClr val="FF0000"/>
+                <a:srgbClr val="C00000"/>
               </a:solidFill>
               <a:latin typeface="Microsoft JhengHei" pitchFamily="34" charset="-120"/>
               <a:ea typeface="Microsoft JhengHei" pitchFamily="34" charset="-120"/>
@@ -3947,7 +3947,7 @@
             <a:r>
               <a:rPr lang="zh-TW" altLang="en-US" sz="4800" b="1" dirty="0">
                 <a:solidFill>
-                  <a:srgbClr val="FF0000"/>
+                  <a:srgbClr val="C00000"/>
                 </a:solidFill>
                 <a:latin typeface="Microsoft JhengHei" pitchFamily="34" charset="-120"/>
                 <a:ea typeface="Microsoft JhengHei" pitchFamily="34" charset="-120"/>
@@ -3956,7 +3956,7 @@
             </a:r>
             <a:endParaRPr lang="en-US" altLang="zh-TW" sz="4800" b="1" dirty="0">
               <a:solidFill>
-                <a:srgbClr val="FF0000"/>
+                <a:srgbClr val="C00000"/>
               </a:solidFill>
               <a:latin typeface="Microsoft JhengHei" pitchFamily="34" charset="-120"/>
               <a:ea typeface="Microsoft JhengHei" pitchFamily="34" charset="-120"/>
@@ -3969,7 +3969,7 @@
             <a:r>
               <a:rPr lang="zh-TW" altLang="en-US" sz="4800" b="1" dirty="0">
                 <a:solidFill>
-                  <a:srgbClr val="FF0000"/>
+                  <a:srgbClr val="C00000"/>
                 </a:solidFill>
                 <a:latin typeface="Microsoft JhengHei" pitchFamily="34" charset="-120"/>
                 <a:ea typeface="Microsoft JhengHei" pitchFamily="34" charset="-120"/>
@@ -3978,7 +3978,7 @@
             </a:r>
             <a:endParaRPr lang="en-US" altLang="zh-TW" sz="4800" b="1" dirty="0">
               <a:solidFill>
-                <a:srgbClr val="FF0000"/>
+                <a:srgbClr val="C00000"/>
               </a:solidFill>
               <a:latin typeface="Microsoft JhengHei" pitchFamily="34" charset="-120"/>
               <a:ea typeface="Microsoft JhengHei" pitchFamily="34" charset="-120"/>
@@ -3991,16 +3991,16 @@
             <a:r>
               <a:rPr lang="zh-TW" altLang="en-US" sz="4800" b="1" dirty="0">
                 <a:solidFill>
-                  <a:srgbClr val="FF0000"/>
+                  <a:srgbClr val="C00000"/>
                 </a:solidFill>
                 <a:latin typeface="Microsoft JhengHei" pitchFamily="34" charset="-120"/>
                 <a:ea typeface="Microsoft JhengHei" pitchFamily="34" charset="-120"/>
               </a:rPr>
               <a:t>看穿梭飛機盡善美</a:t>
             </a:r>
-            <a:endParaRPr lang="en-US" sz="4800" b="1" dirty="0">
+            <a:endParaRPr lang="en-US" altLang="en-US" sz="4800" b="1" dirty="0">
               <a:solidFill>
-                <a:srgbClr val="FF0000"/>
+                <a:srgbClr val="C00000"/>
               </a:solidFill>
               <a:latin typeface="Microsoft JhengHei" pitchFamily="34" charset="-120"/>
               <a:ea typeface="Microsoft JhengHei" pitchFamily="34" charset="-120"/>
@@ -4011,7 +4011,7 @@
     </p:spTree>
     <p:extLst>
       <p:ext uri="{BB962C8B-B14F-4D97-AF65-F5344CB8AC3E}">
-        <p14:creationId xmlns:p14="http://schemas.microsoft.com/office/powerpoint/2010/main" xmlns="" val="3761236931"/>
+        <p14:creationId xmlns="" xmlns:p14="http://schemas.microsoft.com/office/powerpoint/2010/main" val="3761236931"/>
       </p:ext>
     </p:extLst>
   </p:cSld>
@@ -4065,7 +4065,7 @@
             <a:r>
               <a:rPr lang="zh-CN" altLang="en-US" sz="4000" b="1" dirty="0">
                 <a:solidFill>
-                  <a:srgbClr val="FF0000"/>
+                  <a:srgbClr val="C00000"/>
                 </a:solidFill>
                 <a:latin typeface="Microsoft JhengHei" pitchFamily="34" charset="-120"/>
                 <a:ea typeface="Microsoft JhengHei" pitchFamily="34" charset="-120"/>
@@ -4075,16 +4075,16 @@
             <a:r>
               <a:rPr lang="zh-CN" altLang="en-US" sz="4000" b="1" dirty="0" smtClean="0">
                 <a:solidFill>
-                  <a:srgbClr val="FF0000"/>
+                  <a:srgbClr val="C00000"/>
                 </a:solidFill>
                 <a:latin typeface="Microsoft JhengHei" pitchFamily="34" charset="-120"/>
                 <a:ea typeface="Microsoft JhengHei" pitchFamily="34" charset="-120"/>
               </a:rPr>
               <a:t>恩</a:t>
             </a:r>
-            <a:endParaRPr lang="en-US" sz="4000" b="1" dirty="0">
+            <a:endParaRPr lang="en-US" altLang="en-US" sz="4000" b="1" dirty="0">
               <a:solidFill>
-                <a:srgbClr val="FF0000"/>
+                <a:srgbClr val="C00000"/>
               </a:solidFill>
               <a:latin typeface="Microsoft JhengHei" pitchFamily="34" charset="-120"/>
               <a:ea typeface="Microsoft JhengHei" pitchFamily="34" charset="-120"/>
@@ -4115,7 +4115,7 @@
             <a:r>
               <a:rPr lang="zh-TW" altLang="en-US" sz="4800" b="1" dirty="0">
                 <a:solidFill>
-                  <a:srgbClr val="FF0000"/>
+                  <a:srgbClr val="C00000"/>
                 </a:solidFill>
                 <a:latin typeface="Microsoft JhengHei" pitchFamily="34" charset="-120"/>
                 <a:ea typeface="Microsoft JhengHei" pitchFamily="34" charset="-120"/>
@@ -4124,7 +4124,7 @@
             </a:r>
             <a:endParaRPr lang="en-US" altLang="zh-TW" sz="4800" b="1" dirty="0">
               <a:solidFill>
-                <a:srgbClr val="FF0000"/>
+                <a:srgbClr val="C00000"/>
               </a:solidFill>
               <a:latin typeface="Microsoft JhengHei" pitchFamily="34" charset="-120"/>
               <a:ea typeface="Microsoft JhengHei" pitchFamily="34" charset="-120"/>
@@ -4137,7 +4137,7 @@
             <a:r>
               <a:rPr lang="zh-TW" altLang="en-US" sz="4800" b="1" dirty="0">
                 <a:solidFill>
-                  <a:srgbClr val="FF0000"/>
+                  <a:srgbClr val="C00000"/>
                 </a:solidFill>
                 <a:latin typeface="Microsoft JhengHei" pitchFamily="34" charset="-120"/>
                 <a:ea typeface="Microsoft JhengHei" pitchFamily="34" charset="-120"/>
@@ -4146,7 +4146,7 @@
             </a:r>
             <a:endParaRPr lang="en-US" altLang="zh-TW" sz="4800" b="1" dirty="0">
               <a:solidFill>
-                <a:srgbClr val="FF0000"/>
+                <a:srgbClr val="C00000"/>
               </a:solidFill>
               <a:latin typeface="Microsoft JhengHei" pitchFamily="34" charset="-120"/>
               <a:ea typeface="Microsoft JhengHei" pitchFamily="34" charset="-120"/>
@@ -4159,7 +4159,7 @@
             <a:r>
               <a:rPr lang="zh-TW" altLang="en-US" sz="4800" b="1" dirty="0">
                 <a:solidFill>
-                  <a:srgbClr val="FF0000"/>
+                  <a:srgbClr val="C00000"/>
                 </a:solidFill>
                 <a:latin typeface="Microsoft JhengHei" pitchFamily="34" charset="-120"/>
                 <a:ea typeface="Microsoft JhengHei" pitchFamily="34" charset="-120"/>
@@ -4168,7 +4168,7 @@
             </a:r>
             <a:endParaRPr lang="en-US" altLang="zh-TW" sz="4800" b="1" dirty="0">
               <a:solidFill>
-                <a:srgbClr val="FF0000"/>
+                <a:srgbClr val="C00000"/>
               </a:solidFill>
               <a:latin typeface="Microsoft JhengHei" pitchFamily="34" charset="-120"/>
               <a:ea typeface="Microsoft JhengHei" pitchFamily="34" charset="-120"/>
@@ -4181,16 +4181,16 @@
             <a:r>
               <a:rPr lang="zh-TW" altLang="en-US" sz="4800" b="1" dirty="0">
                 <a:solidFill>
-                  <a:srgbClr val="FF0000"/>
+                  <a:srgbClr val="C00000"/>
                 </a:solidFill>
                 <a:latin typeface="Microsoft JhengHei" pitchFamily="34" charset="-120"/>
                 <a:ea typeface="Microsoft JhengHei" pitchFamily="34" charset="-120"/>
               </a:rPr>
               <a:t>只要知足早晚可歌唱</a:t>
             </a:r>
-            <a:endParaRPr lang="en-US" sz="4800" b="1" dirty="0">
+            <a:endParaRPr lang="en-US" altLang="en-US" sz="4800" b="1" dirty="0">
               <a:solidFill>
-                <a:srgbClr val="FF0000"/>
+                <a:srgbClr val="C00000"/>
               </a:solidFill>
               <a:latin typeface="Microsoft JhengHei" pitchFamily="34" charset="-120"/>
               <a:ea typeface="Microsoft JhengHei" pitchFamily="34" charset="-120"/>
@@ -4201,7 +4201,7 @@
     </p:spTree>
     <p:extLst>
       <p:ext uri="{BB962C8B-B14F-4D97-AF65-F5344CB8AC3E}">
-        <p14:creationId xmlns:p14="http://schemas.microsoft.com/office/powerpoint/2010/main" xmlns="" val="3853678619"/>
+        <p14:creationId xmlns="" xmlns:p14="http://schemas.microsoft.com/office/powerpoint/2010/main" val="3853678619"/>
       </p:ext>
     </p:extLst>
   </p:cSld>
@@ -4397,7 +4397,7 @@
     </p:spTree>
     <p:extLst>
       <p:ext uri="{BB962C8B-B14F-4D97-AF65-F5344CB8AC3E}">
-        <p14:creationId xmlns:p14="http://schemas.microsoft.com/office/powerpoint/2010/main" xmlns="" val="3951946685"/>
+        <p14:creationId xmlns="" xmlns:p14="http://schemas.microsoft.com/office/powerpoint/2010/main" val="3951946685"/>
       </p:ext>
     </p:extLst>
   </p:cSld>
@@ -4542,7 +4542,7 @@
     </p:spTree>
     <p:extLst>
       <p:ext uri="{BB962C8B-B14F-4D97-AF65-F5344CB8AC3E}">
-        <p14:creationId xmlns:p14="http://schemas.microsoft.com/office/powerpoint/2010/main" xmlns="" val="711146041"/>
+        <p14:creationId xmlns="" xmlns:p14="http://schemas.microsoft.com/office/powerpoint/2010/main" val="711146041"/>
       </p:ext>
     </p:extLst>
   </p:cSld>
